--- a/batch1/ppt/FURNITURE SHOP MANAGEMENT SYSTEM Final PPT.pptx
+++ b/batch1/ppt/FURNITURE SHOP MANAGEMENT SYSTEM Final PPT.pptx
@@ -225,7 +225,7 @@
             <a:fld id="{5191938F-1797-48C0-AC14-F04C8ACB84E5}" type="datetimeFigureOut">
               <a:rPr lang="en-US" smtClean="0"/>
               <a:pPr/>
-              <a:t>3/9/2023</a:t>
+              <a:t>3/26/2023</a:t>
             </a:fld>
             <a:endParaRPr lang="en-US"/>
           </a:p>
@@ -394,6 +394,11 @@
         </p:txBody>
       </p:sp>
     </p:spTree>
+    <p:extLst>
+      <p:ext uri="{BB962C8B-B14F-4D97-AF65-F5344CB8AC3E}">
+        <p14:creationId xmlns:p14="http://schemas.microsoft.com/office/powerpoint/2010/main" val="3549092353"/>
+      </p:ext>
+    </p:extLst>
   </p:cSld>
   <p:clrMap bg1="lt1" tx1="dk1" bg2="lt2" tx2="dk2" accent1="accent1" accent2="accent2" accent3="accent3" accent4="accent4" accent5="accent5" accent6="accent6" hlink="hlink" folHlink="folHlink"/>
   <p:notesStyle>
@@ -762,7 +767,7 @@
             <a:fld id="{1C6E12D2-DA3A-480B-BCDF-BFB6C7EBE402}" type="datetimeFigureOut">
               <a:rPr lang="en-US" smtClean="0"/>
               <a:pPr/>
-              <a:t>3/9/2023</a:t>
+              <a:t>3/26/2023</a:t>
             </a:fld>
             <a:endParaRPr lang="en-US"/>
           </a:p>
@@ -963,7 +968,7 @@
             <a:fld id="{1C6E12D2-DA3A-480B-BCDF-BFB6C7EBE402}" type="datetimeFigureOut">
               <a:rPr lang="en-US" smtClean="0"/>
               <a:pPr/>
-              <a:t>3/9/2023</a:t>
+              <a:t>3/26/2023</a:t>
             </a:fld>
             <a:endParaRPr lang="en-US"/>
           </a:p>
@@ -1155,7 +1160,7 @@
             <a:fld id="{1C6E12D2-DA3A-480B-BCDF-BFB6C7EBE402}" type="datetimeFigureOut">
               <a:rPr lang="en-US" smtClean="0"/>
               <a:pPr/>
-              <a:t>3/9/2023</a:t>
+              <a:t>3/26/2023</a:t>
             </a:fld>
             <a:endParaRPr lang="en-US"/>
           </a:p>
@@ -1349,7 +1354,7 @@
             <a:fld id="{1C6E12D2-DA3A-480B-BCDF-BFB6C7EBE402}" type="datetimeFigureOut">
               <a:rPr lang="en-US" smtClean="0"/>
               <a:pPr/>
-              <a:t>3/9/2023</a:t>
+              <a:t>3/26/2023</a:t>
             </a:fld>
             <a:endParaRPr lang="en-US"/>
           </a:p>
@@ -1577,7 +1582,7 @@
             <a:fld id="{1C6E12D2-DA3A-480B-BCDF-BFB6C7EBE402}" type="datetimeFigureOut">
               <a:rPr lang="en-US" smtClean="0"/>
               <a:pPr/>
-              <a:t>3/9/2023</a:t>
+              <a:t>3/26/2023</a:t>
             </a:fld>
             <a:endParaRPr lang="en-US"/>
           </a:p>
@@ -1870,7 +1875,7 @@
             <a:fld id="{1C6E12D2-DA3A-480B-BCDF-BFB6C7EBE402}" type="datetimeFigureOut">
               <a:rPr lang="en-US" smtClean="0"/>
               <a:pPr/>
-              <a:t>3/9/2023</a:t>
+              <a:t>3/26/2023</a:t>
             </a:fld>
             <a:endParaRPr lang="en-US"/>
           </a:p>
@@ -2303,7 +2308,7 @@
             <a:fld id="{1C6E12D2-DA3A-480B-BCDF-BFB6C7EBE402}" type="datetimeFigureOut">
               <a:rPr lang="en-US" smtClean="0"/>
               <a:pPr/>
-              <a:t>3/9/2023</a:t>
+              <a:t>3/26/2023</a:t>
             </a:fld>
             <a:endParaRPr lang="en-US"/>
           </a:p>
@@ -2431,7 +2436,7 @@
             <a:fld id="{1C6E12D2-DA3A-480B-BCDF-BFB6C7EBE402}" type="datetimeFigureOut">
               <a:rPr lang="en-US" smtClean="0"/>
               <a:pPr/>
-              <a:t>3/9/2023</a:t>
+              <a:t>3/26/2023</a:t>
             </a:fld>
             <a:endParaRPr lang="en-US"/>
           </a:p>
@@ -2536,7 +2541,7 @@
             <a:fld id="{1C6E12D2-DA3A-480B-BCDF-BFB6C7EBE402}" type="datetimeFigureOut">
               <a:rPr lang="en-US" smtClean="0"/>
               <a:pPr/>
-              <a:t>3/9/2023</a:t>
+              <a:t>3/26/2023</a:t>
             </a:fld>
             <a:endParaRPr lang="en-US"/>
           </a:p>
@@ -2807,7 +2812,7 @@
             <a:fld id="{1C6E12D2-DA3A-480B-BCDF-BFB6C7EBE402}" type="datetimeFigureOut">
               <a:rPr lang="en-US" smtClean="0"/>
               <a:pPr/>
-              <a:t>3/9/2023</a:t>
+              <a:t>3/26/2023</a:t>
             </a:fld>
             <a:endParaRPr lang="en-US"/>
           </a:p>
@@ -3173,7 +3178,7 @@
             <a:fld id="{1C6E12D2-DA3A-480B-BCDF-BFB6C7EBE402}" type="datetimeFigureOut">
               <a:rPr lang="en-US" smtClean="0"/>
               <a:pPr/>
-              <a:t>3/9/2023</a:t>
+              <a:t>3/26/2023</a:t>
             </a:fld>
             <a:endParaRPr lang="en-US"/>
           </a:p>
@@ -3530,7 +3535,7 @@
             <a:fld id="{1C6E12D2-DA3A-480B-BCDF-BFB6C7EBE402}" type="datetimeFigureOut">
               <a:rPr lang="en-US" smtClean="0"/>
               <a:pPr/>
-              <a:t>3/9/2023</a:t>
+              <a:t>3/26/2023</a:t>
             </a:fld>
             <a:endParaRPr lang="en-US"/>
           </a:p>
@@ -4552,7 +4557,7 @@
           <a:blip r:embed="rId2">
             <a:extLst>
               <a:ext uri="{28A0092B-C50C-407E-A947-70E740481C1C}">
-                <a14:useLocalDpi xmlns="" xmlns:a14="http://schemas.microsoft.com/office/drawing/2010/main" val="0"/>
+                <a14:useLocalDpi xmlns:a14="http://schemas.microsoft.com/office/drawing/2010/main" val="0"/>
               </a:ext>
             </a:extLst>
           </a:blip>
@@ -4640,7 +4645,7 @@
           <a:blip r:embed="rId2">
             <a:extLst>
               <a:ext uri="{28A0092B-C50C-407E-A947-70E740481C1C}">
-                <a14:useLocalDpi xmlns="" xmlns:a14="http://schemas.microsoft.com/office/drawing/2010/main" val="0"/>
+                <a14:useLocalDpi xmlns:a14="http://schemas.microsoft.com/office/drawing/2010/main" val="0"/>
               </a:ext>
             </a:extLst>
           </a:blip>
@@ -4884,12 +4889,12 @@
                         </a:spcAft>
                       </a:pPr>
                       <a:r>
-                        <a:rPr lang="en-US" sz="1200">
+                        <a:rPr lang="en-US" sz="1200" dirty="0">
                           <a:effectLst/>
                         </a:rPr>
                         <a:t>Admin id</a:t>
                       </a:r>
-                      <a:endParaRPr lang="en-US" sz="1100">
+                      <a:endParaRPr lang="en-US" sz="1100" dirty="0">
                         <a:effectLst/>
                         <a:latin typeface="Calibri" panose="020F0502020204030204" pitchFamily="34" charset="0"/>
                         <a:ea typeface="Calibri" panose="020F0502020204030204" pitchFamily="34" charset="0"/>
@@ -5031,12 +5036,12 @@
                         </a:spcAft>
                       </a:pPr>
                       <a:r>
-                        <a:rPr lang="en-US" sz="1200">
+                        <a:rPr lang="en-US" sz="1200" dirty="0">
                           <a:effectLst/>
                         </a:rPr>
                         <a:t>Varchar </a:t>
                       </a:r>
-                      <a:endParaRPr lang="en-US" sz="1100">
+                      <a:endParaRPr lang="en-US" sz="1100" dirty="0">
                         <a:effectLst/>
                         <a:latin typeface="Calibri" panose="020F0502020204030204" pitchFamily="34" charset="0"/>
                         <a:ea typeface="Calibri" panose="020F0502020204030204" pitchFamily="34" charset="0"/>
@@ -5060,12 +5065,12 @@
                         </a:spcAft>
                       </a:pPr>
                       <a:r>
-                        <a:rPr lang="en-US" sz="1200">
+                        <a:rPr lang="en-US" sz="1200" dirty="0">
                           <a:effectLst/>
                         </a:rPr>
                         <a:t>30</a:t>
                       </a:r>
-                      <a:endParaRPr lang="en-US" sz="1100">
+                      <a:endParaRPr lang="en-US" sz="1100" dirty="0">
                         <a:effectLst/>
                         <a:latin typeface="Calibri" panose="020F0502020204030204" pitchFamily="34" charset="0"/>
                         <a:ea typeface="Calibri" panose="020F0502020204030204" pitchFamily="34" charset="0"/>
@@ -5178,12 +5183,12 @@
                         </a:spcAft>
                       </a:pPr>
                       <a:r>
-                        <a:rPr lang="en-US" sz="1200">
+                        <a:rPr lang="en-US" sz="1200" dirty="0">
                           <a:effectLst/>
                         </a:rPr>
                         <a:t>30</a:t>
                       </a:r>
-                      <a:endParaRPr lang="en-US" sz="1100">
+                      <a:endParaRPr lang="en-US" sz="1100" dirty="0">
                         <a:effectLst/>
                         <a:latin typeface="Calibri" panose="020F0502020204030204" pitchFamily="34" charset="0"/>
                         <a:ea typeface="Calibri" panose="020F0502020204030204" pitchFamily="34" charset="0"/>
@@ -5432,12 +5437,12 @@
                         </a:spcAft>
                       </a:pPr>
                       <a:r>
-                        <a:rPr lang="en-US" sz="1200">
+                        <a:rPr lang="en-US" sz="1200" dirty="0">
                           <a:effectLst/>
                         </a:rPr>
                         <a:t>Customer id</a:t>
                       </a:r>
-                      <a:endParaRPr lang="en-US" sz="1100">
+                      <a:endParaRPr lang="en-US" sz="1100" dirty="0">
                         <a:effectLst/>
                         <a:latin typeface="Calibri" panose="020F0502020204030204" pitchFamily="34" charset="0"/>
                         <a:ea typeface="Calibri" panose="020F0502020204030204" pitchFamily="34" charset="0"/>
@@ -5550,12 +5555,12 @@
                         </a:spcAft>
                       </a:pPr>
                       <a:r>
-                        <a:rPr lang="en-US" sz="1200">
+                        <a:rPr lang="en-US" sz="1200" dirty="0">
                           <a:effectLst/>
                         </a:rPr>
                         <a:t>Name</a:t>
                       </a:r>
-                      <a:endParaRPr lang="en-US" sz="1100">
+                      <a:endParaRPr lang="en-US" sz="1100" dirty="0">
                         <a:effectLst/>
                         <a:latin typeface="Calibri" panose="020F0502020204030204" pitchFamily="34" charset="0"/>
                         <a:ea typeface="Calibri" panose="020F0502020204030204" pitchFamily="34" charset="0"/>
@@ -5579,12 +5584,12 @@
                         </a:spcAft>
                       </a:pPr>
                       <a:r>
-                        <a:rPr lang="en-US" sz="1200">
+                        <a:rPr lang="en-US" sz="1200" dirty="0">
                           <a:effectLst/>
                         </a:rPr>
                         <a:t>Varchar </a:t>
                       </a:r>
-                      <a:endParaRPr lang="en-US" sz="1100">
+                      <a:endParaRPr lang="en-US" sz="1100" dirty="0">
                         <a:effectLst/>
                         <a:latin typeface="Calibri" panose="020F0502020204030204" pitchFamily="34" charset="0"/>
                         <a:ea typeface="Calibri" panose="020F0502020204030204" pitchFamily="34" charset="0"/>
@@ -5726,12 +5731,12 @@
                         </a:spcAft>
                       </a:pPr>
                       <a:r>
-                        <a:rPr lang="en-US" sz="1200">
+                        <a:rPr lang="en-US" sz="1200" dirty="0">
                           <a:effectLst/>
                         </a:rPr>
                         <a:t>10</a:t>
                       </a:r>
-                      <a:endParaRPr lang="en-US" sz="1100">
+                      <a:endParaRPr lang="en-US" sz="1100" dirty="0">
                         <a:effectLst/>
                         <a:latin typeface="Calibri" panose="020F0502020204030204" pitchFamily="34" charset="0"/>
                         <a:ea typeface="Calibri" panose="020F0502020204030204" pitchFamily="34" charset="0"/>
@@ -5844,12 +5849,12 @@
                         </a:spcAft>
                       </a:pPr>
                       <a:r>
-                        <a:rPr lang="en-US" sz="1200">
+                        <a:rPr lang="en-US" sz="1200" dirty="0">
                           <a:effectLst/>
                         </a:rPr>
                         <a:t>10</a:t>
                       </a:r>
-                      <a:endParaRPr lang="en-US" sz="1100">
+                      <a:endParaRPr lang="en-US" sz="1100" dirty="0">
                         <a:effectLst/>
                         <a:latin typeface="Calibri" panose="020F0502020204030204" pitchFamily="34" charset="0"/>
                         <a:ea typeface="Calibri" panose="020F0502020204030204" pitchFamily="34" charset="0"/>
@@ -5962,12 +5967,12 @@
                         </a:spcAft>
                       </a:pPr>
                       <a:r>
-                        <a:rPr lang="en-US" sz="1200">
+                        <a:rPr lang="en-US" sz="1200" dirty="0">
                           <a:effectLst/>
                         </a:rPr>
                         <a:t>30</a:t>
                       </a:r>
-                      <a:endParaRPr lang="en-US" sz="1100">
+                      <a:endParaRPr lang="en-US" sz="1100" dirty="0">
                         <a:effectLst/>
                         <a:latin typeface="Calibri" panose="020F0502020204030204" pitchFamily="34" charset="0"/>
                         <a:ea typeface="Calibri" panose="020F0502020204030204" pitchFamily="34" charset="0"/>
@@ -5991,12 +5996,12 @@
                         </a:spcAft>
                       </a:pPr>
                       <a:r>
-                        <a:rPr lang="en-US" sz="1200">
+                        <a:rPr lang="en-US" sz="1200" dirty="0">
                           <a:effectLst/>
                         </a:rPr>
                         <a:t>Not null</a:t>
                       </a:r>
-                      <a:endParaRPr lang="en-US" sz="1100">
+                      <a:endParaRPr lang="en-US" sz="1100" dirty="0">
                         <a:effectLst/>
                         <a:latin typeface="Calibri" panose="020F0502020204030204" pitchFamily="34" charset="0"/>
                         <a:ea typeface="Calibri" panose="020F0502020204030204" pitchFamily="34" charset="0"/>
@@ -6334,12 +6339,12 @@
                         </a:spcAft>
                       </a:pPr>
                       <a:r>
-                        <a:rPr lang="en-US" sz="1200">
+                        <a:rPr lang="en-US" sz="1200" dirty="0">
                           <a:effectLst/>
                         </a:rPr>
                         <a:t>Furniture Id</a:t>
                       </a:r>
-                      <a:endParaRPr lang="en-US" sz="1100">
+                      <a:endParaRPr lang="en-US" sz="1100" dirty="0">
                         <a:effectLst/>
                         <a:latin typeface="Calibri" panose="020F0502020204030204" pitchFamily="34" charset="0"/>
                         <a:ea typeface="Calibri" panose="020F0502020204030204" pitchFamily="34" charset="0"/>
@@ -6481,12 +6486,12 @@
                         </a:spcAft>
                       </a:pPr>
                       <a:r>
-                        <a:rPr lang="en-US" sz="1200">
+                        <a:rPr lang="en-US" sz="1200" dirty="0">
                           <a:effectLst/>
                         </a:rPr>
                         <a:t>Varchar </a:t>
                       </a:r>
-                      <a:endParaRPr lang="en-US" sz="1100">
+                      <a:endParaRPr lang="en-US" sz="1100" dirty="0">
                         <a:effectLst/>
                         <a:latin typeface="Calibri" panose="020F0502020204030204" pitchFamily="34" charset="0"/>
                         <a:ea typeface="Calibri" panose="020F0502020204030204" pitchFamily="34" charset="0"/>
@@ -6510,12 +6515,12 @@
                         </a:spcAft>
                       </a:pPr>
                       <a:r>
-                        <a:rPr lang="en-US" sz="1200">
+                        <a:rPr lang="en-US" sz="1200" dirty="0">
                           <a:effectLst/>
                         </a:rPr>
                         <a:t>30</a:t>
                       </a:r>
-                      <a:endParaRPr lang="en-US" sz="1100">
+                      <a:endParaRPr lang="en-US" sz="1100" dirty="0">
                         <a:effectLst/>
                         <a:latin typeface="Calibri" panose="020F0502020204030204" pitchFamily="34" charset="0"/>
                         <a:ea typeface="Calibri" panose="020F0502020204030204" pitchFamily="34" charset="0"/>
@@ -6628,12 +6633,12 @@
                         </a:spcAft>
                       </a:pPr>
                       <a:r>
-                        <a:rPr lang="en-US" sz="1200">
+                        <a:rPr lang="en-US" sz="1200" dirty="0">
                           <a:effectLst/>
                         </a:rPr>
                         <a:t>30</a:t>
                       </a:r>
-                      <a:endParaRPr lang="en-US" sz="1100">
+                      <a:endParaRPr lang="en-US" sz="1100" dirty="0">
                         <a:effectLst/>
                         <a:latin typeface="Calibri" panose="020F0502020204030204" pitchFamily="34" charset="0"/>
                         <a:ea typeface="Calibri" panose="020F0502020204030204" pitchFamily="34" charset="0"/>
@@ -6657,12 +6662,12 @@
                         </a:spcAft>
                       </a:pPr>
                       <a:r>
-                        <a:rPr lang="en-US" sz="1200">
+                        <a:rPr lang="en-US" sz="1200" dirty="0">
                           <a:effectLst/>
                         </a:rPr>
                         <a:t>Not null</a:t>
                       </a:r>
-                      <a:endParaRPr lang="en-US" sz="1100">
+                      <a:endParaRPr lang="en-US" sz="1100" dirty="0">
                         <a:effectLst/>
                         <a:latin typeface="Calibri" panose="020F0502020204030204" pitchFamily="34" charset="0"/>
                         <a:ea typeface="Calibri" panose="020F0502020204030204" pitchFamily="34" charset="0"/>
@@ -7000,12 +7005,12 @@
                         </a:spcAft>
                       </a:pPr>
                       <a:r>
-                        <a:rPr lang="en-US" sz="1200">
+                        <a:rPr lang="en-US" sz="1200" dirty="0">
                           <a:effectLst/>
                         </a:rPr>
                         <a:t>Purchase id</a:t>
                       </a:r>
-                      <a:endParaRPr lang="en-US" sz="1100">
+                      <a:endParaRPr lang="en-US" sz="1100" dirty="0">
                         <a:effectLst/>
                         <a:latin typeface="Calibri" panose="020F0502020204030204" pitchFamily="34" charset="0"/>
                         <a:ea typeface="Calibri" panose="020F0502020204030204" pitchFamily="34" charset="0"/>
@@ -7294,12 +7299,12 @@
                         </a:spcAft>
                       </a:pPr>
                       <a:r>
-                        <a:rPr lang="en-US" sz="1200">
+                        <a:rPr lang="en-US" sz="1200" dirty="0">
                           <a:effectLst/>
                         </a:rPr>
                         <a:t>5</a:t>
                       </a:r>
-                      <a:endParaRPr lang="en-US" sz="1100">
+                      <a:endParaRPr lang="en-US" sz="1100" dirty="0">
                         <a:effectLst/>
                         <a:latin typeface="Calibri" panose="020F0502020204030204" pitchFamily="34" charset="0"/>
                         <a:ea typeface="Calibri" panose="020F0502020204030204" pitchFamily="34" charset="0"/>
@@ -7412,12 +7417,12 @@
                         </a:spcAft>
                       </a:pPr>
                       <a:r>
-                        <a:rPr lang="en-US" sz="1200">
+                        <a:rPr lang="en-US" sz="1200" dirty="0">
                           <a:effectLst/>
                         </a:rPr>
                         <a:t>30</a:t>
                       </a:r>
-                      <a:endParaRPr lang="en-US" sz="1100">
+                      <a:endParaRPr lang="en-US" sz="1100" dirty="0">
                         <a:effectLst/>
                         <a:latin typeface="Calibri" panose="020F0502020204030204" pitchFamily="34" charset="0"/>
                         <a:ea typeface="Calibri" panose="020F0502020204030204" pitchFamily="34" charset="0"/>
@@ -7530,12 +7535,12 @@
                         </a:spcAft>
                       </a:pPr>
                       <a:r>
-                        <a:rPr lang="en-US" sz="1200">
+                        <a:rPr lang="en-US" sz="1200" dirty="0">
                           <a:effectLst/>
                         </a:rPr>
                         <a:t>10</a:t>
                       </a:r>
-                      <a:endParaRPr lang="en-US" sz="1100">
+                      <a:endParaRPr lang="en-US" sz="1100" dirty="0">
                         <a:effectLst/>
                         <a:latin typeface="Calibri" panose="020F0502020204030204" pitchFamily="34" charset="0"/>
                         <a:ea typeface="Calibri" panose="020F0502020204030204" pitchFamily="34" charset="0"/>
@@ -7633,7 +7638,13 @@
           <p:cNvGraphicFramePr>
             <a:graphicFrameLocks noGrp="1"/>
           </p:cNvGraphicFramePr>
-          <p:nvPr/>
+          <p:nvPr>
+            <p:extLst>
+              <p:ext uri="{D42A27DB-BD31-4B8C-83A1-F6EECF244321}">
+                <p14:modId xmlns:p14="http://schemas.microsoft.com/office/powerpoint/2010/main" val="3923104945"/>
+              </p:ext>
+            </p:extLst>
+          </p:nvPr>
         </p:nvGraphicFramePr>
         <p:xfrm>
           <a:off x="1856091" y="1951629"/>
@@ -7666,10 +7677,10 @@
                         </a:spcAft>
                       </a:pPr>
                       <a:r>
-                        <a:rPr lang="en-US" sz="1200" dirty="0">
+                        <a:rPr lang="en-US" sz="1200" dirty="0" smtClean="0">
                           <a:effectLst/>
                         </a:rPr>
-                        <a:t>FIELD TABLE NAME:</a:t>
+                        <a:t>FIELD</a:t>
                       </a:r>
                       <a:endParaRPr lang="en-US" sz="1100" dirty="0">
                         <a:effectLst/>
@@ -8078,12 +8089,12 @@
                         </a:spcAft>
                       </a:pPr>
                       <a:r>
-                        <a:rPr lang="en-US" sz="1200">
+                        <a:rPr lang="en-US" sz="1200" dirty="0">
                           <a:effectLst/>
                         </a:rPr>
                         <a:t>10</a:t>
                       </a:r>
-                      <a:endParaRPr lang="en-US" sz="1100">
+                      <a:endParaRPr lang="en-US" sz="1100" dirty="0">
                         <a:effectLst/>
                         <a:latin typeface="Calibri" panose="020F0502020204030204" pitchFamily="34" charset="0"/>
                         <a:ea typeface="Calibri" panose="020F0502020204030204" pitchFamily="34" charset="0"/>
@@ -8199,12 +8210,12 @@
                         </a:spcAft>
                       </a:pPr>
                       <a:r>
-                        <a:rPr lang="en-US" sz="1200">
+                        <a:rPr lang="en-US" sz="1200" dirty="0">
                           <a:effectLst/>
                         </a:rPr>
                         <a:t>5</a:t>
                       </a:r>
-                      <a:endParaRPr lang="en-US" sz="1100">
+                      <a:endParaRPr lang="en-US" sz="1100" dirty="0">
                         <a:effectLst/>
                         <a:latin typeface="Calibri" panose="020F0502020204030204" pitchFamily="34" charset="0"/>
                         <a:ea typeface="Calibri" panose="020F0502020204030204" pitchFamily="34" charset="0"/>
@@ -8302,7 +8313,13 @@
           <p:cNvGraphicFramePr>
             <a:graphicFrameLocks noGrp="1"/>
           </p:cNvGraphicFramePr>
-          <p:nvPr/>
+          <p:nvPr>
+            <p:extLst>
+              <p:ext uri="{D42A27DB-BD31-4B8C-83A1-F6EECF244321}">
+                <p14:modId xmlns:p14="http://schemas.microsoft.com/office/powerpoint/2010/main" val="1198805632"/>
+              </p:ext>
+            </p:extLst>
+          </p:nvPr>
         </p:nvGraphicFramePr>
         <p:xfrm>
           <a:off x="1254032" y="1828800"/>
@@ -8328,7 +8345,7 @@
                     <a:p>
                       <a:r>
                         <a:rPr lang="en-US" sz="1200" dirty="0" smtClean="0"/>
-                        <a:t>FIELD  TABLE NAME</a:t>
+                        <a:t>FIELD  </a:t>
                       </a:r>
                       <a:endParaRPr lang="en-US" sz="1200" dirty="0"/>
                     </a:p>
@@ -8895,7 +8912,7 @@
           <a:blip r:embed="rId2">
             <a:extLst>
               <a:ext uri="{28A0092B-C50C-407E-A947-70E740481C1C}">
-                <a14:useLocalDpi xmlns="" xmlns:a14="http://schemas.microsoft.com/office/drawing/2010/main" val="0"/>
+                <a14:useLocalDpi xmlns:a14="http://schemas.microsoft.com/office/drawing/2010/main" val="0"/>
               </a:ext>
             </a:extLst>
           </a:blip>
@@ -9083,7 +9100,7 @@
           <a:blip r:embed="rId2">
             <a:extLst>
               <a:ext uri="{28A0092B-C50C-407E-A947-70E740481C1C}">
-                <a14:useLocalDpi xmlns="" xmlns:a14="http://schemas.microsoft.com/office/drawing/2010/main" val="0"/>
+                <a14:useLocalDpi xmlns:a14="http://schemas.microsoft.com/office/drawing/2010/main" val="0"/>
               </a:ext>
             </a:extLst>
           </a:blip>
@@ -9168,7 +9185,7 @@
           <a:blip r:embed="rId2">
             <a:extLst>
               <a:ext uri="{28A0092B-C50C-407E-A947-70E740481C1C}">
-                <a14:useLocalDpi xmlns="" xmlns:a14="http://schemas.microsoft.com/office/drawing/2010/main" val="0"/>
+                <a14:useLocalDpi xmlns:a14="http://schemas.microsoft.com/office/drawing/2010/main" val="0"/>
               </a:ext>
             </a:extLst>
           </a:blip>
@@ -9253,7 +9270,7 @@
           <a:blip r:embed="rId2">
             <a:extLst>
               <a:ext uri="{28A0092B-C50C-407E-A947-70E740481C1C}">
-                <a14:useLocalDpi xmlns="" xmlns:a14="http://schemas.microsoft.com/office/drawing/2010/main" val="0"/>
+                <a14:useLocalDpi xmlns:a14="http://schemas.microsoft.com/office/drawing/2010/main" val="0"/>
               </a:ext>
             </a:extLst>
           </a:blip>
@@ -9338,7 +9355,7 @@
           <a:blip r:embed="rId2">
             <a:extLst>
               <a:ext uri="{28A0092B-C50C-407E-A947-70E740481C1C}">
-                <a14:useLocalDpi xmlns="" xmlns:a14="http://schemas.microsoft.com/office/drawing/2010/main" val="0"/>
+                <a14:useLocalDpi xmlns:a14="http://schemas.microsoft.com/office/drawing/2010/main" val="0"/>
               </a:ext>
             </a:extLst>
           </a:blip>
@@ -9423,7 +9440,7 @@
           <a:blip r:embed="rId2">
             <a:extLst>
               <a:ext uri="{28A0092B-C50C-407E-A947-70E740481C1C}">
-                <a14:useLocalDpi xmlns="" xmlns:a14="http://schemas.microsoft.com/office/drawing/2010/main" val="0"/>
+                <a14:useLocalDpi xmlns:a14="http://schemas.microsoft.com/office/drawing/2010/main" val="0"/>
               </a:ext>
             </a:extLst>
           </a:blip>
